--- a/Engineering Marketing Plan by Slidesgo.pptx
+++ b/Engineering Marketing Plan by Slidesgo.pptx
@@ -21884,7 +21884,7 @@
             </a:pPr>
             <a:r>
               <a:rPr lang="en" dirty="0"/>
-              <a:t>02</a:t>
+              <a:t>03</a:t>
             </a:r>
             <a:endParaRPr dirty="0"/>
           </a:p>
